--- a/Mastering Supabase Session9.pptx
+++ b/Mastering Supabase Session9.pptx
@@ -62,10 +62,6 @@
       <p:regular r:id="rId43"/>
       <p:italic r:id="rId44"/>
       <p:boldItalic r:id="rId45"/>
-    </p:embeddedFont>
-    <p:embeddedFont>
-      <p:font typeface="Aldhabi" panose="01000000000000000000" charset="0"/>
-      <p:regular r:id="rId46"/>
     </p:embeddedFont>
   </p:embeddedFontLst>
   <p:defaultTextStyle>
@@ -20643,7 +20639,7 @@
           <a:p>
             <a:pPr lvl="0" algn="ctr"/>
             <a:r>
-              <a:rPr b="1" i="0">
+              <a:rPr b="1">
                 <a:ln w="28575" cap="flat" cmpd="sng">
                   <a:solidFill>
                     <a:schemeClr val="dk1"/>
@@ -20655,11 +20651,12 @@
                 </a:ln>
                 <a:noFill/>
                 <a:latin typeface="Calistoga"/>
+                <a:sym typeface="+mn-ea"/>
               </a:rPr>
               <a:t>0</a:t>
             </a:r>
             <a:r>
-              <a:rPr lang="ar-EG" b="1" i="0">
+              <a:rPr lang="en-US" b="1">
                 <a:ln w="28575" cap="flat" cmpd="sng">
                   <a:solidFill>
                     <a:schemeClr val="dk1"/>
@@ -20671,6 +20668,7 @@
                 </a:ln>
                 <a:noFill/>
                 <a:latin typeface="Calistoga"/>
+                <a:sym typeface="+mn-ea"/>
               </a:rPr>
               <a:t>4</a:t>
             </a:r>
@@ -23905,6 +23903,11 @@
             <a:r>
               <a:t>Frontend Integration with Supabase Storage</a:t>
             </a:r>
+            <a:r>
+              <a:rPr lang="en-US"/>
+              <a:t>.</a:t>
+            </a:r>
+            <a:endParaRPr lang="en-US"/>
           </a:p>
         </p:txBody>
       </p:sp>
@@ -23945,7 +23948,7 @@
             </a:r>
             <a:r>
               <a:rPr lang="en-US"/>
-              <a:t>s</a:t>
+              <a:t>s.</a:t>
             </a:r>
             <a:endParaRPr lang="en-US"/>
           </a:p>
@@ -24230,6 +24233,11 @@
             <a:r>
               <a:t>Profile Picture Management</a:t>
             </a:r>
+            <a:r>
+              <a:rPr lang="en-US"/>
+              <a:t>.</a:t>
+            </a:r>
+            <a:endParaRPr lang="en-US"/>
           </a:p>
         </p:txBody>
       </p:sp>
